--- a/exp1/stimuli/timelineLearning.pptx
+++ b/exp1/stimuli/timelineLearning.pptx
@@ -106,6 +106,11 @@
       </a:defRPr>
     </a:lvl9pPr>
   </p:defaultTextStyle>
+  <p:extLst>
+    <p:ext uri="{EFAFB233-063F-42B5-8137-9DF3F51BA10A}">
+      <p15:sldGuideLst xmlns:p15="http://schemas.microsoft.com/office/powerpoint/2012/main"/>
+    </p:ext>
+  </p:extLst>
 </p:presentation>
 </file>
 
@@ -4020,6 +4025,50 @@
           </a:p>
         </p:txBody>
       </p:sp>
+      <p:cxnSp>
+        <p:nvCxnSpPr>
+          <p:cNvPr id="18" name="Connettore 2 32">
+            <a:extLst>
+              <a:ext uri="{FF2B5EF4-FFF2-40B4-BE49-F238E27FC236}">
+                <a16:creationId xmlns:a16="http://schemas.microsoft.com/office/drawing/2014/main" id="{F9E12B3F-CC39-455F-B354-E4E6D27D3914}"/>
+              </a:ext>
+            </a:extLst>
+          </p:cNvPr>
+          <p:cNvCxnSpPr>
+            <a:cxnSpLocks/>
+          </p:cNvCxnSpPr>
+          <p:nvPr/>
+        </p:nvCxnSpPr>
+        <p:spPr>
+          <a:xfrm>
+            <a:off x="2951795" y="3295650"/>
+            <a:ext cx="4999738" cy="2967355"/>
+          </a:xfrm>
+          <a:prstGeom prst="straightConnector1">
+            <a:avLst/>
+          </a:prstGeom>
+          <a:ln w="38100">
+            <a:solidFill>
+              <a:srgbClr val="FF0000"/>
+            </a:solidFill>
+            <a:tailEnd type="arrow"/>
+          </a:ln>
+        </p:spPr>
+        <p:style>
+          <a:lnRef idx="2">
+            <a:schemeClr val="dk1"/>
+          </a:lnRef>
+          <a:fillRef idx="0">
+            <a:schemeClr val="dk1"/>
+          </a:fillRef>
+          <a:effectRef idx="1">
+            <a:schemeClr val="dk1"/>
+          </a:effectRef>
+          <a:fontRef idx="minor">
+            <a:schemeClr val="tx1"/>
+          </a:fontRef>
+        </p:style>
+      </p:cxnSp>
     </p:spTree>
     <p:extLst>
       <p:ext uri="{BB962C8B-B14F-4D97-AF65-F5344CB8AC3E}">
@@ -4726,6 +4775,50 @@
           </p:txBody>
         </p:sp>
       </p:grpSp>
+      <p:cxnSp>
+        <p:nvCxnSpPr>
+          <p:cNvPr id="22" name="Connettore 2 32">
+            <a:extLst>
+              <a:ext uri="{FF2B5EF4-FFF2-40B4-BE49-F238E27FC236}">
+                <a16:creationId xmlns:a16="http://schemas.microsoft.com/office/drawing/2014/main" id="{17286E42-4F49-4AFA-A0A1-B371F47E69D4}"/>
+              </a:ext>
+            </a:extLst>
+          </p:cNvPr>
+          <p:cNvCxnSpPr>
+            <a:cxnSpLocks/>
+          </p:cNvCxnSpPr>
+          <p:nvPr/>
+        </p:nvCxnSpPr>
+        <p:spPr>
+          <a:xfrm>
+            <a:off x="2951795" y="3295650"/>
+            <a:ext cx="4999738" cy="2967355"/>
+          </a:xfrm>
+          <a:prstGeom prst="straightConnector1">
+            <a:avLst/>
+          </a:prstGeom>
+          <a:ln w="38100">
+            <a:solidFill>
+              <a:srgbClr val="FF0000"/>
+            </a:solidFill>
+            <a:tailEnd type="arrow"/>
+          </a:ln>
+        </p:spPr>
+        <p:style>
+          <a:lnRef idx="2">
+            <a:schemeClr val="dk1"/>
+          </a:lnRef>
+          <a:fillRef idx="0">
+            <a:schemeClr val="dk1"/>
+          </a:fillRef>
+          <a:effectRef idx="1">
+            <a:schemeClr val="dk1"/>
+          </a:effectRef>
+          <a:fontRef idx="minor">
+            <a:schemeClr val="tx1"/>
+          </a:fontRef>
+        </p:style>
+      </p:cxnSp>
     </p:spTree>
     <p:extLst>
       <p:ext uri="{BB962C8B-B14F-4D97-AF65-F5344CB8AC3E}">
@@ -4786,6 +4879,94 @@
           </a:prstGeom>
         </p:spPr>
       </p:pic>
+      <p:cxnSp>
+        <p:nvCxnSpPr>
+          <p:cNvPr id="3" name="Connettore 2 32">
+            <a:extLst>
+              <a:ext uri="{FF2B5EF4-FFF2-40B4-BE49-F238E27FC236}">
+                <a16:creationId xmlns:a16="http://schemas.microsoft.com/office/drawing/2014/main" id="{DF17A85E-27DC-4E28-8D73-E9A6A80426AD}"/>
+              </a:ext>
+            </a:extLst>
+          </p:cNvPr>
+          <p:cNvCxnSpPr>
+            <a:cxnSpLocks/>
+          </p:cNvCxnSpPr>
+          <p:nvPr/>
+        </p:nvCxnSpPr>
+        <p:spPr>
+          <a:xfrm>
+            <a:off x="4019550" y="1495425"/>
+            <a:ext cx="2867025" cy="1940856"/>
+          </a:xfrm>
+          <a:prstGeom prst="straightConnector1">
+            <a:avLst/>
+          </a:prstGeom>
+          <a:ln w="19050">
+            <a:solidFill>
+              <a:srgbClr val="FF0000"/>
+            </a:solidFill>
+            <a:tailEnd type="arrow"/>
+          </a:ln>
+        </p:spPr>
+        <p:style>
+          <a:lnRef idx="2">
+            <a:schemeClr val="dk1"/>
+          </a:lnRef>
+          <a:fillRef idx="0">
+            <a:schemeClr val="dk1"/>
+          </a:fillRef>
+          <a:effectRef idx="1">
+            <a:schemeClr val="dk1"/>
+          </a:effectRef>
+          <a:fontRef idx="minor">
+            <a:schemeClr val="tx1"/>
+          </a:fontRef>
+        </p:style>
+      </p:cxnSp>
+      <p:cxnSp>
+        <p:nvCxnSpPr>
+          <p:cNvPr id="6" name="Connettore 2 32">
+            <a:extLst>
+              <a:ext uri="{FF2B5EF4-FFF2-40B4-BE49-F238E27FC236}">
+                <a16:creationId xmlns:a16="http://schemas.microsoft.com/office/drawing/2014/main" id="{C3CD67B3-87DD-46DA-B4C5-1E3ED7720F4B}"/>
+              </a:ext>
+            </a:extLst>
+          </p:cNvPr>
+          <p:cNvCxnSpPr>
+            <a:cxnSpLocks/>
+          </p:cNvCxnSpPr>
+          <p:nvPr/>
+        </p:nvCxnSpPr>
+        <p:spPr>
+          <a:xfrm>
+            <a:off x="4019550" y="4905375"/>
+            <a:ext cx="2790824" cy="1885950"/>
+          </a:xfrm>
+          <a:prstGeom prst="straightConnector1">
+            <a:avLst/>
+          </a:prstGeom>
+          <a:ln w="19050">
+            <a:solidFill>
+              <a:srgbClr val="FF0000"/>
+            </a:solidFill>
+            <a:tailEnd type="arrow"/>
+          </a:ln>
+        </p:spPr>
+        <p:style>
+          <a:lnRef idx="2">
+            <a:schemeClr val="dk1"/>
+          </a:lnRef>
+          <a:fillRef idx="0">
+            <a:schemeClr val="dk1"/>
+          </a:fillRef>
+          <a:effectRef idx="1">
+            <a:schemeClr val="dk1"/>
+          </a:effectRef>
+          <a:fontRef idx="minor">
+            <a:schemeClr val="tx1"/>
+          </a:fontRef>
+        </p:style>
+      </p:cxnSp>
     </p:spTree>
     <p:extLst>
       <p:ext uri="{BB962C8B-B14F-4D97-AF65-F5344CB8AC3E}">
